--- a/training-cards/agile moves/01_templates/Trainingskarte_Blanko.pptx
+++ b/training-cards/agile moves/01_templates/Trainingskarte_Blanko.pptx
@@ -90,11 +90,6 @@
     <p:ext uri="{EFAFB233-063F-42B5-8137-9DF3F51BA10A}">
       <p15:sldGuideLst xmlns:p15="http://schemas.microsoft.com/office/powerpoint/2012/main">
         <p15:guide id="1" orient="horz" pos="1676">
-          <p15:clr>
-            <a:srgbClr val="A4A3A4"/>
-          </p15:clr>
-        </p15:guide>
-        <p15:guide id="2" pos="2380">
           <p15:clr>
             <a:srgbClr val="A4A3A4"/>
           </p15:clr>
@@ -1761,7 +1756,7 @@
         </p:nvSpPr>
         <p:spPr>
           <a:xfrm>
-            <a:off x="1777727" y="580325"/>
+            <a:off x="1847177" y="580325"/>
             <a:ext cx="5346973" cy="246217"/>
           </a:xfrm>
           <a:prstGeom prst="rect">
@@ -1822,7 +1817,7 @@
         <p:spPr>
           <a:xfrm>
             <a:off x="3606753" y="1449957"/>
-            <a:ext cx="3517947" cy="246217"/>
+            <a:ext cx="3556419" cy="246217"/>
           </a:xfrm>
           <a:prstGeom prst="rect">
             <a:avLst/>
@@ -1867,8 +1862,41 @@
                 <a:cs typeface="Avenir Book"/>
                 <a:sym typeface="Avenir Book"/>
               </a:rPr>
-              <a:t>Welchen Trainingsschritt möchte ich machen?</a:t>
-            </a:r>
+              <a:t>Welchen Trainingsschritt möchte </a:t>
+            </a:r>
+            <a:r>
+              <a:rPr lang="de-DE" sz="1000" cap="all">
+                <a:solidFill>
+                  <a:srgbClr val="5D5E5F"/>
+                </a:solidFill>
+                <a:latin typeface="Avenir Heavy" charset="0"/>
+                <a:ea typeface="Avenir Book"/>
+                <a:cs typeface="Avenir Book"/>
+                <a:sym typeface="Avenir Book"/>
+              </a:rPr>
+              <a:t>ich </a:t>
+            </a:r>
+            <a:r>
+              <a:rPr lang="de-DE" sz="1000" cap="all" smtClean="0">
+                <a:solidFill>
+                  <a:srgbClr val="5D5E5F"/>
+                </a:solidFill>
+                <a:latin typeface="Avenir Heavy" charset="0"/>
+                <a:ea typeface="Avenir Book"/>
+                <a:cs typeface="Avenir Book"/>
+                <a:sym typeface="Avenir Book"/>
+              </a:rPr>
+              <a:t>machen ?</a:t>
+            </a:r>
+            <a:endParaRPr lang="de-DE" sz="1000" cap="all" dirty="0">
+              <a:solidFill>
+                <a:srgbClr val="5D5E5F"/>
+              </a:solidFill>
+              <a:latin typeface="Avenir Heavy" charset="0"/>
+              <a:ea typeface="Avenir Book"/>
+              <a:cs typeface="Avenir Book"/>
+              <a:sym typeface="Avenir Book"/>
+            </a:endParaRPr>
           </a:p>
         </p:txBody>
       </p:sp>
@@ -1924,8 +1952,8 @@
         </p:nvSpPr>
         <p:spPr>
           <a:xfrm>
-            <a:off x="4247954" y="2320939"/>
-            <a:ext cx="2944072" cy="400105"/>
+            <a:off x="4164330" y="2320939"/>
+            <a:ext cx="2982544" cy="400105"/>
           </a:xfrm>
           <a:prstGeom prst="rect">
             <a:avLst/>
@@ -1955,7 +1983,7 @@
           </a:bodyPr>
           <a:lstStyle/>
           <a:p>
-            <a:pPr>
+            <a:pPr algn="r">
               <a:defRPr sz="1800" cap="none">
                 <a:solidFill>
                   <a:srgbClr val="000000"/>
@@ -1971,7 +1999,7 @@
                 <a:ea typeface="Avenir Book"/>
                 <a:cs typeface="Avenir Book"/>
               </a:rPr>
-              <a:t>Auf welche Art und Weise möchte ich </a:t>
+              <a:t>Auf welche Art und Weise möchte ich</a:t>
             </a:r>
             <a:br>
               <a:rPr lang="de-DE" sz="1000" cap="all" dirty="0" smtClean="0">
@@ -2014,7 +2042,7 @@
                 <a:ea typeface="Avenir Book"/>
                 <a:cs typeface="Avenir Book"/>
               </a:rPr>
-              <a:t>durchführen?</a:t>
+              <a:t>durchführen ?</a:t>
             </a:r>
             <a:endParaRPr lang="de-DE" sz="1000" cap="all" dirty="0">
               <a:solidFill>
@@ -3246,7 +3274,7 @@
         </p:nvSpPr>
         <p:spPr>
           <a:xfrm>
-            <a:off x="5755784" y="3833143"/>
+            <a:off x="5733208" y="3833143"/>
             <a:ext cx="1432439" cy="1054131"/>
           </a:xfrm>
           <a:prstGeom prst="rect">
@@ -3447,7 +3475,7 @@
         </p:nvSpPr>
         <p:spPr>
           <a:xfrm>
-            <a:off x="5034085" y="2733397"/>
+            <a:off x="5022797" y="2733397"/>
             <a:ext cx="2229516" cy="1054131"/>
           </a:xfrm>
           <a:prstGeom prst="rect">

--- a/training-cards/agile moves/01_templates/Trainingskarte_Blanko.pptx
+++ b/training-cards/agile moves/01_templates/Trainingskarte_Blanko.pptx
@@ -2141,8 +2141,8 @@
         </p:nvSpPr>
         <p:spPr>
           <a:xfrm>
-            <a:off x="1582160" y="2733397"/>
-            <a:ext cx="1775482" cy="1054131"/>
+            <a:off x="1531360" y="2733397"/>
+            <a:ext cx="1852426" cy="1054131"/>
           </a:xfrm>
           <a:prstGeom prst="rect">
             <a:avLst/>
@@ -2189,7 +2189,7 @@
               <a:tabLst/>
             </a:pPr>
             <a:r>
-              <a:rPr lang="de-DE" sz="1000" dirty="0">
+              <a:rPr lang="de-DE" sz="1000" dirty="0" smtClean="0">
                 <a:solidFill>
                   <a:srgbClr val="5D5E5F"/>
                 </a:solidFill>
@@ -2197,18 +2197,7 @@
                 <a:ea typeface="Avenir Book"/>
                 <a:cs typeface="Avenir Book"/>
               </a:rPr>
-              <a:t>Anzahl der </a:t>
-            </a:r>
-            <a:r>
-              <a:rPr lang="de-DE" sz="1000" dirty="0" smtClean="0">
-                <a:solidFill>
-                  <a:srgbClr val="5D5E5F"/>
-                </a:solidFill>
-                <a:latin typeface="Avenir Heavy" charset="0"/>
-                <a:ea typeface="Avenir Book"/>
-                <a:cs typeface="Avenir Book"/>
-              </a:rPr>
-              <a:t>Wiederholungen</a:t>
+              <a:t>Wiederholungen im Zeitraum</a:t>
             </a:r>
           </a:p>
           <a:p>
